--- a/JourneyPPT1.MrigaArora.pptx
+++ b/JourneyPPT1.MrigaArora.pptx
@@ -205,14 +205,6 @@
     </p:extLst>
   </p:cmAuthor>
 </p:cmAuthorLst>
-</file>
-
-<file path=ppt/revisionInfo.xml><?xml version="1.0" encoding="utf-8"?>
-<p1510:revInfo xmlns:a="http://schemas.openxmlformats.org/drawingml/2006/main" xmlns:r="http://schemas.openxmlformats.org/officeDocument/2006/relationships" xmlns:p1510="http://schemas.microsoft.com/office/powerpoint/2015/10/main">
-  <p1510:revLst>
-    <p1510:client id="{F6E155E8-D84C-463E-A3B7-5CF65E1FB393}" v="224" dt="2024-08-26T15:17:23.410"/>
-  </p1510:revLst>
-</p1510:revInfo>
 </file>
 
 <file path=ppt/handoutMasters/handoutMaster1.xml><?xml version="1.0" encoding="utf-8"?>
@@ -7163,6 +7155,12 @@
             </a:pPr>
             <a:endParaRPr lang="en-US" sz="2000" dirty="0"/>
           </a:p>
+          <a:p>
+            <a:pPr marL="0" indent="0">
+              <a:buNone/>
+            </a:pPr>
+            <a:endParaRPr lang="en-US" sz="2000" dirty="0"/>
+          </a:p>
         </p:txBody>
       </p:sp>
       <p:sp>
@@ -8005,10 +8003,7 @@
             <a:pPr marL="0" indent="0">
               <a:buNone/>
             </a:pPr>
-            <a:r>
-              <a:rPr lang="en-US" sz="2000" dirty="0"/>
-              <a:t>Challenge faced: Interaction and initiative was less on the first day as everyone was new to each other and could not open up.</a:t>
-            </a:r>
+            <a:endParaRPr lang="en-US" sz="2000" dirty="0"/>
           </a:p>
           <a:p>
             <a:pPr marL="0" indent="0">
@@ -8022,8 +8017,35 @@
             </a:pPr>
             <a:r>
               <a:rPr lang="en-US" sz="2000" dirty="0"/>
+              <a:t>Challenge faced: Interaction and initiative was less on the first day as everyone was new to each other and could not open up.</a:t>
+            </a:r>
+          </a:p>
+          <a:p>
+            <a:pPr marL="0" indent="0">
+              <a:buNone/>
+            </a:pPr>
+            <a:r>
+              <a:rPr lang="en-US" sz="2000" dirty="0"/>
               <a:t>Solution: Games and interactive sessions were conducted to resolve this. </a:t>
             </a:r>
+          </a:p>
+          <a:p>
+            <a:pPr marL="0" indent="0">
+              <a:buNone/>
+            </a:pPr>
+            <a:r>
+              <a:rPr lang="en-US" sz="2000" dirty="0">
+                <a:hlinkClick r:id="rId5"/>
+              </a:rPr>
+              <a:t>https://github.com/mrigaarora/Unext.TechBootcamp/blob/main/JourneyPPT1.MrigaArora.pptx</a:t>
+            </a:r>
+            <a:endParaRPr lang="en-US" sz="2000" dirty="0"/>
+          </a:p>
+          <a:p>
+            <a:pPr marL="0" indent="0">
+              <a:buNone/>
+            </a:pPr>
+            <a:endParaRPr lang="en-US" sz="2000" dirty="0"/>
           </a:p>
           <a:p>
             <a:pPr marL="0" indent="0">
@@ -8054,10 +8076,10 @@
           <p:nvPr/>
         </p:nvPicPr>
         <p:blipFill>
-          <a:blip r:embed="rId5">
+          <a:blip r:embed="rId6">
             <a:extLst>
               <a:ext uri="{96DAC541-7B7A-43D3-8B79-37D633B846F1}">
-                <asvg:svgBlip xmlns:asvg="http://schemas.microsoft.com/office/drawing/2016/SVG/main" r:embed="rId6"/>
+                <asvg:svgBlip xmlns:asvg="http://schemas.microsoft.com/office/drawing/2016/SVG/main" r:embed="rId7"/>
               </a:ext>
             </a:extLst>
           </a:blip>
@@ -8090,7 +8112,7 @@
           <p:nvPr/>
         </p:nvPicPr>
         <p:blipFill>
-          <a:blip r:embed="rId7">
+          <a:blip r:embed="rId8">
             <a:extLst>
               <a:ext uri="{28A0092B-C50C-407E-A947-70E740481C1C}">
                 <a14:useLocalDpi xmlns:a14="http://schemas.microsoft.com/office/drawing/2010/main" val="0"/>
@@ -8582,16 +8604,19 @@
             <a:pPr marL="0" indent="0">
               <a:buNone/>
             </a:pPr>
+            <a:r>
+              <a:rPr lang="en-US" sz="2000" dirty="0">
+                <a:hlinkClick r:id="rId5"/>
+              </a:rPr>
+              <a:t>https://github.com/mrigaarora/Unext.TechBootcamp/blob/main/JourneyPPT1.MrigaArora.pptx</a:t>
+            </a:r>
             <a:endParaRPr lang="en-US" sz="2000" dirty="0"/>
           </a:p>
           <a:p>
             <a:pPr marL="0" indent="0">
               <a:buNone/>
             </a:pPr>
-            <a:r>
-              <a:rPr lang="en-US" sz="2000" dirty="0"/>
-              <a:t>GitHub link of your solution/documentation</a:t>
-            </a:r>
+            <a:endParaRPr lang="en-US" sz="2000" dirty="0"/>
           </a:p>
         </p:txBody>
       </p:sp>
@@ -8825,10 +8850,10 @@
           <p:nvPr/>
         </p:nvPicPr>
         <p:blipFill>
-          <a:blip r:embed="rId5">
+          <a:blip r:embed="rId6">
             <a:extLst>
               <a:ext uri="{96DAC541-7B7A-43D3-8B79-37D633B846F1}">
-                <asvg:svgBlip xmlns:asvg="http://schemas.microsoft.com/office/drawing/2016/SVG/main" r:embed="rId6"/>
+                <asvg:svgBlip xmlns:asvg="http://schemas.microsoft.com/office/drawing/2016/SVG/main" r:embed="rId7"/>
               </a:ext>
             </a:extLst>
           </a:blip>
@@ -8861,7 +8886,7 @@
           <p:nvPr/>
         </p:nvPicPr>
         <p:blipFill>
-          <a:blip r:embed="rId7" cstate="screen">
+          <a:blip r:embed="rId8" cstate="screen">
             <a:extLst>
               <a:ext uri="{28A0092B-C50C-407E-A947-70E740481C1C}">
                 <a14:useLocalDpi xmlns:a14="http://schemas.microsoft.com/office/drawing/2010/main" val="0"/>
@@ -9359,13 +9384,12 @@
             </a:pPr>
             <a:r>
               <a:rPr lang="en-US" sz="2000" dirty="0"/>
-              <a:t>Solution: Engaging team activity to document both the SRS and BRD document with the help of the teacher MS Abbasi made it easier to understand.</a:t>
+              <a:t>Solution: Engaging team activity to document both the SRS and BRD document with the help of the teacher MS Abbasi made it easier to </a:t>
             </a:r>
-          </a:p>
-          <a:p>
-            <a:pPr marL="0" indent="0">
-              <a:buNone/>
-            </a:pPr>
+            <a:r>
+              <a:rPr lang="en-US" sz="2000"/>
+              <a:t>understand.</a:t>
+            </a:r>
             <a:endParaRPr lang="en-US" sz="2000" dirty="0"/>
           </a:p>
           <a:p>
@@ -9373,9 +9397,12 @@
               <a:buNone/>
             </a:pPr>
             <a:r>
-              <a:rPr lang="en-US" sz="2000" dirty="0"/>
-              <a:t>GitHub link of your solution/documentation</a:t>
+              <a:rPr lang="en-US" sz="2000" dirty="0">
+                <a:hlinkClick r:id="rId5"/>
+              </a:rPr>
+              <a:t>https://github.com/mrigaarora/Unext.TechBootcamp/blob/main/JourneyPPT1.MrigaArora.pptx</a:t>
             </a:r>
+            <a:endParaRPr lang="en-US" sz="2000" dirty="0"/>
           </a:p>
         </p:txBody>
       </p:sp>
@@ -9394,10 +9421,10 @@
           <p:nvPr/>
         </p:nvPicPr>
         <p:blipFill>
-          <a:blip r:embed="rId5">
+          <a:blip r:embed="rId6">
             <a:extLst>
               <a:ext uri="{96DAC541-7B7A-43D3-8B79-37D633B846F1}">
-                <asvg:svgBlip xmlns:asvg="http://schemas.microsoft.com/office/drawing/2016/SVG/main" r:embed="rId6"/>
+                <asvg:svgBlip xmlns:asvg="http://schemas.microsoft.com/office/drawing/2016/SVG/main" r:embed="rId7"/>
               </a:ext>
             </a:extLst>
           </a:blip>
@@ -9430,7 +9457,7 @@
           <p:nvPr/>
         </p:nvPicPr>
         <p:blipFill>
-          <a:blip r:embed="rId7"/>
+          <a:blip r:embed="rId8"/>
           <a:stretch>
             <a:fillRect/>
           </a:stretch>

--- a/JourneyPPT1.MrigaArora.pptx
+++ b/JourneyPPT1.MrigaArora.pptx
@@ -9384,13 +9384,8 @@
             </a:pPr>
             <a:r>
               <a:rPr lang="en-US" sz="2000" dirty="0"/>
-              <a:t>Solution: Engaging team activity to document both the SRS and BRD document with the help of the teacher MS Abbasi made it easier to </a:t>
+              <a:t>Solution: Engaging team activity to document both the SRS and BRD document with the help of the teacher MS Abbasi made it easier to understand.</a:t>
             </a:r>
-            <a:r>
-              <a:rPr lang="en-US" sz="2000"/>
-              <a:t>understand.</a:t>
-            </a:r>
-            <a:endParaRPr lang="en-US" sz="2000" dirty="0"/>
           </a:p>
           <a:p>
             <a:pPr marL="0" indent="0">
@@ -18711,23 +18706,23 @@
               <a:buNone/>
             </a:pPr>
             <a:r>
-              <a:rPr lang="en-US" sz="2000" dirty="0"/>
+              <a:rPr lang="en-US" sz="2000" b="1" u="sng" dirty="0"/>
               <a:t>Technical Boot Camp Day 4 and Day 5: 29</a:t>
             </a:r>
             <a:r>
-              <a:rPr lang="en-US" sz="2000" baseline="30000" dirty="0"/>
+              <a:rPr lang="en-US" sz="2000" b="1" u="sng" baseline="30000" dirty="0"/>
               <a:t>th</a:t>
             </a:r>
             <a:r>
-              <a:rPr lang="en-US" sz="2000" dirty="0"/>
+              <a:rPr lang="en-US" sz="2000" b="1" u="sng" dirty="0"/>
               <a:t> August 2024 to 30</a:t>
             </a:r>
             <a:r>
-              <a:rPr lang="en-US" sz="2000" baseline="30000" dirty="0"/>
+              <a:rPr lang="en-US" sz="2000" b="1" u="sng" baseline="30000" dirty="0"/>
               <a:t>th</a:t>
             </a:r>
             <a:r>
-              <a:rPr lang="en-US" sz="2000" dirty="0"/>
+              <a:rPr lang="en-US" sz="2000" b="1" u="sng" dirty="0"/>
               <a:t> August 2024</a:t>
             </a:r>
           </a:p>
